--- a/回归/CTR 预估.pptx
+++ b/回归/CTR 预估.pptx
@@ -346,7 +346,7 @@
           <a:p>
             <a:fld id="{F5A3EA0A-2028-472F-85D2-8A18F34C03C5}" type="datetimeFigureOut">
               <a:rPr lang="zh-CN" altLang="en-US" smtClean="0"/>
-              <a:t>2018/9/29</a:t>
+              <a:t>2019/4/18</a:t>
             </a:fld>
             <a:endParaRPr lang="zh-CN" altLang="en-US"/>
           </a:p>
@@ -670,7 +670,7 @@
           <a:p>
             <a:fld id="{F5A3EA0A-2028-472F-85D2-8A18F34C03C5}" type="datetimeFigureOut">
               <a:rPr lang="zh-CN" altLang="en-US" smtClean="0"/>
-              <a:t>2018/9/29</a:t>
+              <a:t>2019/4/18</a:t>
             </a:fld>
             <a:endParaRPr lang="zh-CN" altLang="en-US"/>
           </a:p>
@@ -918,7 +918,7 @@
           <a:p>
             <a:fld id="{F5A3EA0A-2028-472F-85D2-8A18F34C03C5}" type="datetimeFigureOut">
               <a:rPr lang="zh-CN" altLang="en-US" smtClean="0"/>
-              <a:t>2018/9/29</a:t>
+              <a:t>2019/4/18</a:t>
             </a:fld>
             <a:endParaRPr lang="zh-CN" altLang="en-US"/>
           </a:p>
@@ -1257,7 +1257,7 @@
           <a:p>
             <a:fld id="{F5A3EA0A-2028-472F-85D2-8A18F34C03C5}" type="datetimeFigureOut">
               <a:rPr lang="zh-CN" altLang="en-US" smtClean="0"/>
-              <a:t>2018/9/29</a:t>
+              <a:t>2019/4/18</a:t>
             </a:fld>
             <a:endParaRPr lang="zh-CN" altLang="en-US"/>
           </a:p>
@@ -1604,7 +1604,7 @@
           <a:p>
             <a:fld id="{F5A3EA0A-2028-472F-85D2-8A18F34C03C5}" type="datetimeFigureOut">
               <a:rPr lang="zh-CN" altLang="en-US" smtClean="0"/>
-              <a:t>2018/9/29</a:t>
+              <a:t>2019/4/18</a:t>
             </a:fld>
             <a:endParaRPr lang="zh-CN" altLang="en-US"/>
           </a:p>
@@ -1978,7 +1978,7 @@
           <a:p>
             <a:fld id="{F5A3EA0A-2028-472F-85D2-8A18F34C03C5}" type="datetimeFigureOut">
               <a:rPr lang="zh-CN" altLang="en-US" smtClean="0"/>
-              <a:t>2018/9/29</a:t>
+              <a:t>2019/4/18</a:t>
             </a:fld>
             <a:endParaRPr lang="zh-CN" altLang="en-US"/>
           </a:p>
@@ -2448,7 +2448,7 @@
           <a:p>
             <a:fld id="{F5A3EA0A-2028-472F-85D2-8A18F34C03C5}" type="datetimeFigureOut">
               <a:rPr lang="zh-CN" altLang="en-US" smtClean="0"/>
-              <a:t>2018/9/29</a:t>
+              <a:t>2019/4/18</a:t>
             </a:fld>
             <a:endParaRPr lang="zh-CN" altLang="en-US"/>
           </a:p>
@@ -2653,7 +2653,7 @@
           <a:p>
             <a:fld id="{F5A3EA0A-2028-472F-85D2-8A18F34C03C5}" type="datetimeFigureOut">
               <a:rPr lang="zh-CN" altLang="en-US" smtClean="0"/>
-              <a:t>2018/9/29</a:t>
+              <a:t>2019/4/18</a:t>
             </a:fld>
             <a:endParaRPr lang="zh-CN" altLang="en-US"/>
           </a:p>
@@ -2864,7 +2864,7 @@
           <a:p>
             <a:fld id="{F5A3EA0A-2028-472F-85D2-8A18F34C03C5}" type="datetimeFigureOut">
               <a:rPr lang="zh-CN" altLang="en-US" smtClean="0"/>
-              <a:t>2018/9/29</a:t>
+              <a:t>2019/4/18</a:t>
             </a:fld>
             <a:endParaRPr lang="zh-CN" altLang="en-US"/>
           </a:p>
@@ -3095,7 +3095,7 @@
           <a:p>
             <a:fld id="{F5A3EA0A-2028-472F-85D2-8A18F34C03C5}" type="datetimeFigureOut">
               <a:rPr lang="zh-CN" altLang="en-US" smtClean="0"/>
-              <a:t>2018/9/29</a:t>
+              <a:t>2019/4/18</a:t>
             </a:fld>
             <a:endParaRPr lang="zh-CN" altLang="en-US"/>
           </a:p>
@@ -3343,7 +3343,7 @@
           <a:p>
             <a:fld id="{F5A3EA0A-2028-472F-85D2-8A18F34C03C5}" type="datetimeFigureOut">
               <a:rPr lang="zh-CN" altLang="en-US" smtClean="0"/>
-              <a:t>2018/9/29</a:t>
+              <a:t>2019/4/18</a:t>
             </a:fld>
             <a:endParaRPr lang="zh-CN" altLang="en-US"/>
           </a:p>
@@ -3641,7 +3641,7 @@
           <a:p>
             <a:fld id="{F5A3EA0A-2028-472F-85D2-8A18F34C03C5}" type="datetimeFigureOut">
               <a:rPr lang="zh-CN" altLang="en-US" smtClean="0"/>
-              <a:t>2018/9/29</a:t>
+              <a:t>2019/4/18</a:t>
             </a:fld>
             <a:endParaRPr lang="zh-CN" altLang="en-US"/>
           </a:p>
@@ -4023,7 +4023,7 @@
           <a:p>
             <a:fld id="{F5A3EA0A-2028-472F-85D2-8A18F34C03C5}" type="datetimeFigureOut">
               <a:rPr lang="zh-CN" altLang="en-US" smtClean="0"/>
-              <a:t>2018/9/29</a:t>
+              <a:t>2019/4/18</a:t>
             </a:fld>
             <a:endParaRPr lang="zh-CN" altLang="en-US"/>
           </a:p>
@@ -4172,7 +4172,7 @@
           <a:p>
             <a:fld id="{F5A3EA0A-2028-472F-85D2-8A18F34C03C5}" type="datetimeFigureOut">
               <a:rPr lang="zh-CN" altLang="en-US" smtClean="0"/>
-              <a:t>2018/9/29</a:t>
+              <a:t>2019/4/18</a:t>
             </a:fld>
             <a:endParaRPr lang="zh-CN" altLang="en-US"/>
           </a:p>
@@ -4298,7 +4298,7 @@
           <a:p>
             <a:fld id="{F5A3EA0A-2028-472F-85D2-8A18F34C03C5}" type="datetimeFigureOut">
               <a:rPr lang="zh-CN" altLang="en-US" smtClean="0"/>
-              <a:t>2018/9/29</a:t>
+              <a:t>2019/4/18</a:t>
             </a:fld>
             <a:endParaRPr lang="zh-CN" altLang="en-US"/>
           </a:p>
@@ -4553,7 +4553,7 @@
           <a:p>
             <a:fld id="{F5A3EA0A-2028-472F-85D2-8A18F34C03C5}" type="datetimeFigureOut">
               <a:rPr lang="zh-CN" altLang="en-US" smtClean="0"/>
-              <a:t>2018/9/29</a:t>
+              <a:t>2019/4/18</a:t>
             </a:fld>
             <a:endParaRPr lang="zh-CN" altLang="en-US"/>
           </a:p>
@@ -4868,7 +4868,7 @@
           <a:p>
             <a:fld id="{F5A3EA0A-2028-472F-85D2-8A18F34C03C5}" type="datetimeFigureOut">
               <a:rPr lang="zh-CN" altLang="en-US" smtClean="0"/>
-              <a:t>2018/9/29</a:t>
+              <a:t>2019/4/18</a:t>
             </a:fld>
             <a:endParaRPr lang="zh-CN" altLang="en-US"/>
           </a:p>
@@ -5112,7 +5112,7 @@
           <a:p>
             <a:fld id="{F5A3EA0A-2028-472F-85D2-8A18F34C03C5}" type="datetimeFigureOut">
               <a:rPr lang="zh-CN" altLang="en-US" smtClean="0"/>
-              <a:t>2018/9/29</a:t>
+              <a:t>2019/4/18</a:t>
             </a:fld>
             <a:endParaRPr lang="zh-CN" altLang="en-US"/>
           </a:p>

--- a/回归/CTR 预估.pptx
+++ b/回归/CTR 预估.pptx
@@ -346,7 +346,7 @@
           <a:p>
             <a:fld id="{F5A3EA0A-2028-472F-85D2-8A18F34C03C5}" type="datetimeFigureOut">
               <a:rPr lang="zh-CN" altLang="en-US" smtClean="0"/>
-              <a:t>2019/4/18</a:t>
+              <a:t>2019/5/23</a:t>
             </a:fld>
             <a:endParaRPr lang="zh-CN" altLang="en-US"/>
           </a:p>
@@ -670,7 +670,7 @@
           <a:p>
             <a:fld id="{F5A3EA0A-2028-472F-85D2-8A18F34C03C5}" type="datetimeFigureOut">
               <a:rPr lang="zh-CN" altLang="en-US" smtClean="0"/>
-              <a:t>2019/4/18</a:t>
+              <a:t>2019/5/23</a:t>
             </a:fld>
             <a:endParaRPr lang="zh-CN" altLang="en-US"/>
           </a:p>
@@ -918,7 +918,7 @@
           <a:p>
             <a:fld id="{F5A3EA0A-2028-472F-85D2-8A18F34C03C5}" type="datetimeFigureOut">
               <a:rPr lang="zh-CN" altLang="en-US" smtClean="0"/>
-              <a:t>2019/4/18</a:t>
+              <a:t>2019/5/23</a:t>
             </a:fld>
             <a:endParaRPr lang="zh-CN" altLang="en-US"/>
           </a:p>
@@ -1257,7 +1257,7 @@
           <a:p>
             <a:fld id="{F5A3EA0A-2028-472F-85D2-8A18F34C03C5}" type="datetimeFigureOut">
               <a:rPr lang="zh-CN" altLang="en-US" smtClean="0"/>
-              <a:t>2019/4/18</a:t>
+              <a:t>2019/5/23</a:t>
             </a:fld>
             <a:endParaRPr lang="zh-CN" altLang="en-US"/>
           </a:p>
@@ -1604,7 +1604,7 @@
           <a:p>
             <a:fld id="{F5A3EA0A-2028-472F-85D2-8A18F34C03C5}" type="datetimeFigureOut">
               <a:rPr lang="zh-CN" altLang="en-US" smtClean="0"/>
-              <a:t>2019/4/18</a:t>
+              <a:t>2019/5/23</a:t>
             </a:fld>
             <a:endParaRPr lang="zh-CN" altLang="en-US"/>
           </a:p>
@@ -1978,7 +1978,7 @@
           <a:p>
             <a:fld id="{F5A3EA0A-2028-472F-85D2-8A18F34C03C5}" type="datetimeFigureOut">
               <a:rPr lang="zh-CN" altLang="en-US" smtClean="0"/>
-              <a:t>2019/4/18</a:t>
+              <a:t>2019/5/23</a:t>
             </a:fld>
             <a:endParaRPr lang="zh-CN" altLang="en-US"/>
           </a:p>
@@ -2448,7 +2448,7 @@
           <a:p>
             <a:fld id="{F5A3EA0A-2028-472F-85D2-8A18F34C03C5}" type="datetimeFigureOut">
               <a:rPr lang="zh-CN" altLang="en-US" smtClean="0"/>
-              <a:t>2019/4/18</a:t>
+              <a:t>2019/5/23</a:t>
             </a:fld>
             <a:endParaRPr lang="zh-CN" altLang="en-US"/>
           </a:p>
@@ -2653,7 +2653,7 @@
           <a:p>
             <a:fld id="{F5A3EA0A-2028-472F-85D2-8A18F34C03C5}" type="datetimeFigureOut">
               <a:rPr lang="zh-CN" altLang="en-US" smtClean="0"/>
-              <a:t>2019/4/18</a:t>
+              <a:t>2019/5/23</a:t>
             </a:fld>
             <a:endParaRPr lang="zh-CN" altLang="en-US"/>
           </a:p>
@@ -2864,7 +2864,7 @@
           <a:p>
             <a:fld id="{F5A3EA0A-2028-472F-85D2-8A18F34C03C5}" type="datetimeFigureOut">
               <a:rPr lang="zh-CN" altLang="en-US" smtClean="0"/>
-              <a:t>2019/4/18</a:t>
+              <a:t>2019/5/23</a:t>
             </a:fld>
             <a:endParaRPr lang="zh-CN" altLang="en-US"/>
           </a:p>
@@ -3095,7 +3095,7 @@
           <a:p>
             <a:fld id="{F5A3EA0A-2028-472F-85D2-8A18F34C03C5}" type="datetimeFigureOut">
               <a:rPr lang="zh-CN" altLang="en-US" smtClean="0"/>
-              <a:t>2019/4/18</a:t>
+              <a:t>2019/5/23</a:t>
             </a:fld>
             <a:endParaRPr lang="zh-CN" altLang="en-US"/>
           </a:p>
@@ -3343,7 +3343,7 @@
           <a:p>
             <a:fld id="{F5A3EA0A-2028-472F-85D2-8A18F34C03C5}" type="datetimeFigureOut">
               <a:rPr lang="zh-CN" altLang="en-US" smtClean="0"/>
-              <a:t>2019/4/18</a:t>
+              <a:t>2019/5/23</a:t>
             </a:fld>
             <a:endParaRPr lang="zh-CN" altLang="en-US"/>
           </a:p>
@@ -3641,7 +3641,7 @@
           <a:p>
             <a:fld id="{F5A3EA0A-2028-472F-85D2-8A18F34C03C5}" type="datetimeFigureOut">
               <a:rPr lang="zh-CN" altLang="en-US" smtClean="0"/>
-              <a:t>2019/4/18</a:t>
+              <a:t>2019/5/23</a:t>
             </a:fld>
             <a:endParaRPr lang="zh-CN" altLang="en-US"/>
           </a:p>
@@ -4023,7 +4023,7 @@
           <a:p>
             <a:fld id="{F5A3EA0A-2028-472F-85D2-8A18F34C03C5}" type="datetimeFigureOut">
               <a:rPr lang="zh-CN" altLang="en-US" smtClean="0"/>
-              <a:t>2019/4/18</a:t>
+              <a:t>2019/5/23</a:t>
             </a:fld>
             <a:endParaRPr lang="zh-CN" altLang="en-US"/>
           </a:p>
@@ -4172,7 +4172,7 @@
           <a:p>
             <a:fld id="{F5A3EA0A-2028-472F-85D2-8A18F34C03C5}" type="datetimeFigureOut">
               <a:rPr lang="zh-CN" altLang="en-US" smtClean="0"/>
-              <a:t>2019/4/18</a:t>
+              <a:t>2019/5/23</a:t>
             </a:fld>
             <a:endParaRPr lang="zh-CN" altLang="en-US"/>
           </a:p>
@@ -4298,7 +4298,7 @@
           <a:p>
             <a:fld id="{F5A3EA0A-2028-472F-85D2-8A18F34C03C5}" type="datetimeFigureOut">
               <a:rPr lang="zh-CN" altLang="en-US" smtClean="0"/>
-              <a:t>2019/4/18</a:t>
+              <a:t>2019/5/23</a:t>
             </a:fld>
             <a:endParaRPr lang="zh-CN" altLang="en-US"/>
           </a:p>
@@ -4553,7 +4553,7 @@
           <a:p>
             <a:fld id="{F5A3EA0A-2028-472F-85D2-8A18F34C03C5}" type="datetimeFigureOut">
               <a:rPr lang="zh-CN" altLang="en-US" smtClean="0"/>
-              <a:t>2019/4/18</a:t>
+              <a:t>2019/5/23</a:t>
             </a:fld>
             <a:endParaRPr lang="zh-CN" altLang="en-US"/>
           </a:p>
@@ -4868,7 +4868,7 @@
           <a:p>
             <a:fld id="{F5A3EA0A-2028-472F-85D2-8A18F34C03C5}" type="datetimeFigureOut">
               <a:rPr lang="zh-CN" altLang="en-US" smtClean="0"/>
-              <a:t>2019/4/18</a:t>
+              <a:t>2019/5/23</a:t>
             </a:fld>
             <a:endParaRPr lang="zh-CN" altLang="en-US"/>
           </a:p>
@@ -5112,7 +5112,7 @@
           <a:p>
             <a:fld id="{F5A3EA0A-2028-472F-85D2-8A18F34C03C5}" type="datetimeFigureOut">
               <a:rPr lang="zh-CN" altLang="en-US" smtClean="0"/>
-              <a:t>2019/4/18</a:t>
+              <a:t>2019/5/23</a:t>
             </a:fld>
             <a:endParaRPr lang="zh-CN" altLang="en-US"/>
           </a:p>
